--- a/Yu Feng CRC-fungi-Re1 (JY)/S_fig6-Re1 (JY)-Re (YF).pptx
+++ b/Yu Feng CRC-fungi-Re1 (JY)/S_fig6-Re1 (JY)-Re (YF).pptx
@@ -197,7 +197,7 @@
           <a:p>
             <a:fld id="{AA548A79-DF5C-42BC-A964-9ADB8699366B}" type="datetimeFigureOut">
               <a:rPr lang="zh-CN" altLang="en-US" smtClean="0"/>
-              <a:t>2021/10/26</a:t>
+              <a:t>2021/11/22</a:t>
             </a:fld>
             <a:endParaRPr lang="zh-CN" altLang="en-US"/>
           </a:p>
@@ -685,7 +685,7 @@
           <a:p>
             <a:fld id="{C21F6666-3EDE-4E8B-BC82-F371B9B084D1}" type="datetimeFigureOut">
               <a:rPr lang="zh-CN" altLang="en-US" smtClean="0"/>
-              <a:t>2021/10/26</a:t>
+              <a:t>2021/11/22</a:t>
             </a:fld>
             <a:endParaRPr lang="zh-CN" altLang="en-US"/>
           </a:p>
@@ -855,7 +855,7 @@
           <a:p>
             <a:fld id="{C21F6666-3EDE-4E8B-BC82-F371B9B084D1}" type="datetimeFigureOut">
               <a:rPr lang="zh-CN" altLang="en-US" smtClean="0"/>
-              <a:t>2021/10/26</a:t>
+              <a:t>2021/11/22</a:t>
             </a:fld>
             <a:endParaRPr lang="zh-CN" altLang="en-US"/>
           </a:p>
@@ -1035,7 +1035,7 @@
           <a:p>
             <a:fld id="{C21F6666-3EDE-4E8B-BC82-F371B9B084D1}" type="datetimeFigureOut">
               <a:rPr lang="zh-CN" altLang="en-US" smtClean="0"/>
-              <a:t>2021/10/26</a:t>
+              <a:t>2021/11/22</a:t>
             </a:fld>
             <a:endParaRPr lang="zh-CN" altLang="en-US"/>
           </a:p>
@@ -1205,7 +1205,7 @@
           <a:p>
             <a:fld id="{C21F6666-3EDE-4E8B-BC82-F371B9B084D1}" type="datetimeFigureOut">
               <a:rPr lang="zh-CN" altLang="en-US" smtClean="0"/>
-              <a:t>2021/10/26</a:t>
+              <a:t>2021/11/22</a:t>
             </a:fld>
             <a:endParaRPr lang="zh-CN" altLang="en-US"/>
           </a:p>
@@ -1449,7 +1449,7 @@
           <a:p>
             <a:fld id="{C21F6666-3EDE-4E8B-BC82-F371B9B084D1}" type="datetimeFigureOut">
               <a:rPr lang="zh-CN" altLang="en-US" smtClean="0"/>
-              <a:t>2021/10/26</a:t>
+              <a:t>2021/11/22</a:t>
             </a:fld>
             <a:endParaRPr lang="zh-CN" altLang="en-US"/>
           </a:p>
@@ -1681,7 +1681,7 @@
           <a:p>
             <a:fld id="{C21F6666-3EDE-4E8B-BC82-F371B9B084D1}" type="datetimeFigureOut">
               <a:rPr lang="zh-CN" altLang="en-US" smtClean="0"/>
-              <a:t>2021/10/26</a:t>
+              <a:t>2021/11/22</a:t>
             </a:fld>
             <a:endParaRPr lang="zh-CN" altLang="en-US"/>
           </a:p>
@@ -2048,7 +2048,7 @@
           <a:p>
             <a:fld id="{C21F6666-3EDE-4E8B-BC82-F371B9B084D1}" type="datetimeFigureOut">
               <a:rPr lang="zh-CN" altLang="en-US" smtClean="0"/>
-              <a:t>2021/10/26</a:t>
+              <a:t>2021/11/22</a:t>
             </a:fld>
             <a:endParaRPr lang="zh-CN" altLang="en-US"/>
           </a:p>
@@ -2166,7 +2166,7 @@
           <a:p>
             <a:fld id="{C21F6666-3EDE-4E8B-BC82-F371B9B084D1}" type="datetimeFigureOut">
               <a:rPr lang="zh-CN" altLang="en-US" smtClean="0"/>
-              <a:t>2021/10/26</a:t>
+              <a:t>2021/11/22</a:t>
             </a:fld>
             <a:endParaRPr lang="zh-CN" altLang="en-US"/>
           </a:p>
@@ -2261,7 +2261,7 @@
           <a:p>
             <a:fld id="{C21F6666-3EDE-4E8B-BC82-F371B9B084D1}" type="datetimeFigureOut">
               <a:rPr lang="zh-CN" altLang="en-US" smtClean="0"/>
-              <a:t>2021/10/26</a:t>
+              <a:t>2021/11/22</a:t>
             </a:fld>
             <a:endParaRPr lang="zh-CN" altLang="en-US"/>
           </a:p>
@@ -2538,7 +2538,7 @@
           <a:p>
             <a:fld id="{C21F6666-3EDE-4E8B-BC82-F371B9B084D1}" type="datetimeFigureOut">
               <a:rPr lang="zh-CN" altLang="en-US" smtClean="0"/>
-              <a:t>2021/10/26</a:t>
+              <a:t>2021/11/22</a:t>
             </a:fld>
             <a:endParaRPr lang="zh-CN" altLang="en-US"/>
           </a:p>
@@ -2795,7 +2795,7 @@
           <a:p>
             <a:fld id="{C21F6666-3EDE-4E8B-BC82-F371B9B084D1}" type="datetimeFigureOut">
               <a:rPr lang="zh-CN" altLang="en-US" smtClean="0"/>
-              <a:t>2021/10/26</a:t>
+              <a:t>2021/11/22</a:t>
             </a:fld>
             <a:endParaRPr lang="zh-CN" altLang="en-US"/>
           </a:p>
@@ -3008,7 +3008,7 @@
           <a:p>
             <a:fld id="{C21F6666-3EDE-4E8B-BC82-F371B9B084D1}" type="datetimeFigureOut">
               <a:rPr lang="zh-CN" altLang="en-US" smtClean="0"/>
-              <a:t>2021/10/26</a:t>
+              <a:t>2021/11/22</a:t>
             </a:fld>
             <a:endParaRPr lang="zh-CN" altLang="en-US"/>
           </a:p>
@@ -3427,8 +3427,8 @@
         </p:nvSpPr>
         <p:spPr>
           <a:xfrm>
-            <a:off x="179752" y="15343310"/>
-            <a:ext cx="1848418" cy="586240"/>
+            <a:off x="179751" y="15343310"/>
+            <a:ext cx="17820911" cy="2677656"/>
           </a:xfrm>
           <a:prstGeom prst="rect">
             <a:avLst/>
@@ -3442,15 +3442,71 @@
           <a:lstStyle/>
           <a:p>
             <a:r>
-              <a:rPr lang="en-US" sz="3200" b="1" dirty="0"/>
-              <a:t>S figure 6</a:t>
+              <a:rPr lang="en-US" sz="2400" b="1" dirty="0"/>
+              <a:t>S figure 6 </a:t>
             </a:r>
-            <a:endParaRPr lang="en-HK" sz="3200" b="1" dirty="0"/>
+            <a:r>
+              <a:rPr lang="zh-CN" altLang="zh-CN" sz="2400" b="1" dirty="0">
+                <a:effectLst/>
+                <a:ea typeface="DengXian" panose="02010600030101010101" pitchFamily="2" charset="-122"/>
+                <a:cs typeface="Times New Roman" panose="02020603050405020304" pitchFamily="18" charset="0"/>
+              </a:rPr>
+              <a:t> </a:t>
+            </a:r>
+            <a:r>
+              <a:rPr lang="en-US" altLang="zh-CN" sz="2400" b="1" dirty="0">
+                <a:effectLst/>
+                <a:latin typeface="DengXian" panose="02010600030101010101" pitchFamily="2" charset="-122"/>
+                <a:cs typeface="Times New Roman" panose="02020603050405020304" pitchFamily="18" charset="0"/>
+              </a:rPr>
+              <a:t>Comparison of differential relationship between CRC and healthy control. (a)</a:t>
+            </a:r>
+            <a:r>
+              <a:rPr lang="en-US" altLang="zh-CN" sz="2400" dirty="0">
+                <a:effectLst/>
+                <a:latin typeface="DengXian" panose="02010600030101010101" pitchFamily="2" charset="-122"/>
+                <a:cs typeface="Times New Roman" panose="02020603050405020304" pitchFamily="18" charset="0"/>
+              </a:rPr>
+              <a:t> Density graph with z-score of intra-bacterial, intra-fungal, and fungal-bacterial correlational comparisons. Left panel: the stacked density chart in all correlational comparisons. Right-top panel: the density plot for z-score of intra-bacteria. Right-middle : the density plot for z-score of intra-fungi. Right-bottom: the density plot for z-score of fungi-bacteria. </a:t>
+            </a:r>
+            <a:r>
+              <a:rPr lang="en-US" altLang="zh-CN" sz="2400" b="1" dirty="0">
+                <a:effectLst/>
+                <a:latin typeface="DengXian" panose="02010600030101010101" pitchFamily="2" charset="-122"/>
+                <a:cs typeface="Times New Roman" panose="02020603050405020304" pitchFamily="18" charset="0"/>
+              </a:rPr>
+              <a:t>(b) </a:t>
+            </a:r>
+            <a:r>
+              <a:rPr lang="en-US" altLang="zh-CN" sz="2400" dirty="0">
+                <a:effectLst/>
+                <a:latin typeface="DengXian" panose="02010600030101010101" pitchFamily="2" charset="-122"/>
+                <a:cs typeface="Times New Roman" panose="02020603050405020304" pitchFamily="18" charset="0"/>
+              </a:rPr>
+              <a:t>Left panel: definition of differential correlation classes. The front and back of the semicolon represent the characteristics of the relationship in CRC and the healthy control, respectively.</a:t>
+            </a:r>
+            <a:r>
+              <a:rPr lang="en-US" altLang="zh-CN" sz="2400" b="1" dirty="0">
+                <a:effectLst/>
+                <a:latin typeface="DengXian" panose="02010600030101010101" pitchFamily="2" charset="-122"/>
+                <a:cs typeface="Times New Roman" panose="02020603050405020304" pitchFamily="18" charset="0"/>
+              </a:rPr>
+              <a:t> </a:t>
+            </a:r>
+            <a:r>
+              <a:rPr lang="en-US" altLang="zh-CN" sz="2400" dirty="0">
+                <a:effectLst/>
+                <a:latin typeface="DengXian" panose="02010600030101010101" pitchFamily="2" charset="-122"/>
+                <a:cs typeface="Times New Roman" panose="02020603050405020304" pitchFamily="18" charset="0"/>
+              </a:rPr>
+              <a:t>Right panel: percentage of differential correlational classes. Blue, orange, and yellow bar represented the intra-bacterial, intra-fungal, and fungal-bacterial groups, respectively.</a:t>
+            </a:r>
+            <a:endParaRPr lang="en-HK" sz="2400" b="1" dirty="0"/>
           </a:p>
         </p:txBody>
       </p:sp>
-      <mc:AlternateContent xmlns:mc="http://schemas.openxmlformats.org/markup-compatibility/2006">
-        <mc:Choice xmlns:a14="http://schemas.microsoft.com/office/drawing/2010/main" Requires="a14">
+      <mc:AlternateContent xmlns:mc="http://schemas.openxmlformats.org/markup-compatibility/2006" xmlns:a14="http://schemas.microsoft.com/office/drawing/2010/main">
+        <mc:Choice Requires="a14">
           <p:graphicFrame>
             <p:nvGraphicFramePr>
               <p:cNvPr id="260" name="Table 99">
@@ -4610,7 +4666,7 @@
             </a:graphic>
           </p:graphicFrame>
         </mc:Choice>
-        <mc:Fallback>
+        <mc:Fallback xmlns="">
           <p:graphicFrame>
             <p:nvGraphicFramePr>
               <p:cNvPr id="260" name="Table 99">
@@ -4857,9 +4913,9 @@
         <p:grpSpPr>
           <a:xfrm>
             <a:off x="485786" y="9709107"/>
-            <a:ext cx="5965020" cy="4587012"/>
+            <a:ext cx="5763798" cy="4587012"/>
             <a:chOff x="1395300" y="7001265"/>
-            <a:chExt cx="5494245" cy="4587012"/>
+            <a:chExt cx="5308904" cy="4587012"/>
           </a:xfrm>
         </p:grpSpPr>
         <p:grpSp>
@@ -4877,9 +4933,9 @@
           <p:grpSpPr>
             <a:xfrm>
               <a:off x="1828565" y="7399234"/>
-              <a:ext cx="4791537" cy="4174910"/>
+              <a:ext cx="4791537" cy="4174909"/>
               <a:chOff x="1755628" y="6930459"/>
-              <a:chExt cx="4791537" cy="4174910"/>
+              <a:chExt cx="4791537" cy="4174909"/>
             </a:xfrm>
           </p:grpSpPr>
           <p:sp>
@@ -4913,18 +4969,12 @@
                 <a:pPr algn="ctr"/>
                 <a:r>
                   <a:rPr lang="el-GR" altLang="zh-CN" sz="2000" b="1" i="0" dirty="0">
-                    <a:solidFill>
-                      <a:schemeClr val="accent6"/>
-                    </a:solidFill>
                     <a:effectLst/>
                   </a:rPr>
                   <a:t>ρ</a:t>
                 </a:r>
                 <a:r>
                   <a:rPr lang="en-US" altLang="zh-CN" sz="2000" b="1" i="0" dirty="0">
-                    <a:solidFill>
-                      <a:schemeClr val="accent6"/>
-                    </a:solidFill>
                     <a:effectLst/>
                   </a:rPr>
                   <a:t> &gt; 0</a:t>
@@ -4934,22 +4984,11 @@
                 <a:pPr algn="ctr"/>
                 <a:r>
                   <a:rPr lang="en-US" altLang="zh-CN" sz="2000" b="1" i="0" dirty="0">
-                    <a:solidFill>
-                      <a:schemeClr val="bg1">
-                        <a:lumMod val="50000"/>
-                      </a:schemeClr>
-                    </a:solidFill>
                     <a:effectLst/>
                   </a:rPr>
                   <a:t>p &lt; 0.05</a:t>
                 </a:r>
-                <a:endParaRPr lang="zh-CN" altLang="en-US" sz="2000" b="1" dirty="0">
-                  <a:solidFill>
-                    <a:schemeClr val="bg1">
-                      <a:lumMod val="50000"/>
-                    </a:schemeClr>
-                  </a:solidFill>
-                </a:endParaRPr>
+                <a:endParaRPr lang="zh-CN" altLang="en-US" sz="2000" b="1" dirty="0"/>
               </a:p>
             </p:txBody>
           </p:sp>
@@ -4983,22 +5022,10 @@
               <a:p>
                 <a:pPr algn="ctr"/>
                 <a:r>
-                  <a:rPr lang="en-US" altLang="zh-CN" sz="2000" b="1" dirty="0">
-                    <a:solidFill>
-                      <a:schemeClr val="bg1">
-                        <a:lumMod val="50000"/>
-                      </a:schemeClr>
-                    </a:solidFill>
-                  </a:rPr>
+                  <a:rPr lang="en-US" altLang="zh-CN" sz="2000" b="1" dirty="0"/>
                   <a:t>p &gt; 0.05</a:t>
                 </a:r>
-                <a:endParaRPr lang="zh-CN" altLang="en-US" sz="2000" b="1" dirty="0">
-                  <a:solidFill>
-                    <a:schemeClr val="bg1">
-                      <a:lumMod val="50000"/>
-                    </a:schemeClr>
-                  </a:solidFill>
-                </a:endParaRPr>
+                <a:endParaRPr lang="zh-CN" altLang="en-US" sz="2000" b="1" dirty="0"/>
               </a:p>
             </p:txBody>
           </p:sp>
@@ -5033,18 +5060,12 @@
                 <a:pPr algn="ctr"/>
                 <a:r>
                   <a:rPr lang="el-GR" altLang="zh-CN" sz="2000" b="1" i="0" dirty="0">
-                    <a:solidFill>
-                      <a:srgbClr val="FF0000"/>
-                    </a:solidFill>
                     <a:effectLst/>
                   </a:rPr>
                   <a:t>ρ</a:t>
                 </a:r>
                 <a:r>
                   <a:rPr lang="en-US" altLang="zh-CN" sz="2000" b="1" i="0" dirty="0">
-                    <a:solidFill>
-                      <a:srgbClr val="FF0000"/>
-                    </a:solidFill>
                     <a:effectLst/>
                   </a:rPr>
                   <a:t> &lt; 0</a:t>
@@ -5053,22 +5074,10 @@
               <a:p>
                 <a:pPr algn="ctr"/>
                 <a:r>
-                  <a:rPr lang="en-US" altLang="zh-CN" sz="2000" b="1" dirty="0">
-                    <a:solidFill>
-                      <a:schemeClr val="bg1">
-                        <a:lumMod val="50000"/>
-                      </a:schemeClr>
-                    </a:solidFill>
-                  </a:rPr>
+                  <a:rPr lang="en-US" altLang="zh-CN" sz="2000" b="1" dirty="0"/>
                   <a:t>p &lt; 0.05</a:t>
                 </a:r>
-                <a:endParaRPr lang="zh-CN" altLang="en-US" sz="2000" b="1" dirty="0">
-                  <a:solidFill>
-                    <a:schemeClr val="bg1">
-                      <a:lumMod val="50000"/>
-                    </a:schemeClr>
-                  </a:solidFill>
-                </a:endParaRPr>
+                <a:endParaRPr lang="zh-CN" altLang="en-US" sz="2000" b="1" dirty="0"/>
               </a:p>
             </p:txBody>
           </p:sp>
@@ -5087,7 +5096,7 @@
             <p:spPr>
               <a:xfrm>
                 <a:off x="1755628" y="7657709"/>
-                <a:ext cx="737064" cy="932308"/>
+                <a:ext cx="737064" cy="932307"/>
               </a:xfrm>
               <a:prstGeom prst="rect">
                 <a:avLst/>
@@ -5103,18 +5112,12 @@
                 <a:pPr algn="ctr"/>
                 <a:r>
                   <a:rPr lang="el-GR" altLang="zh-CN" sz="2000" b="1" i="0" dirty="0">
-                    <a:solidFill>
-                      <a:schemeClr val="accent6"/>
-                    </a:solidFill>
                     <a:effectLst/>
                   </a:rPr>
                   <a:t>ρ</a:t>
                 </a:r>
                 <a:r>
                   <a:rPr lang="en-US" altLang="zh-CN" sz="2000" b="1" i="0" dirty="0">
-                    <a:solidFill>
-                      <a:schemeClr val="accent6"/>
-                    </a:solidFill>
                     <a:effectLst/>
                   </a:rPr>
                   <a:t> &gt; 0</a:t>
@@ -5123,22 +5126,10 @@
               <a:p>
                 <a:pPr algn="ctr"/>
                 <a:r>
-                  <a:rPr lang="en-US" altLang="zh-CN" sz="2000" b="1" dirty="0">
-                    <a:solidFill>
-                      <a:schemeClr val="bg1">
-                        <a:lumMod val="50000"/>
-                      </a:schemeClr>
-                    </a:solidFill>
-                  </a:rPr>
+                  <a:rPr lang="en-US" altLang="zh-CN" sz="2000" b="1" dirty="0"/>
                   <a:t>p &lt; 0.05</a:t>
                 </a:r>
-                <a:endParaRPr lang="zh-CN" altLang="en-US" sz="2000" b="1" dirty="0">
-                  <a:solidFill>
-                    <a:schemeClr val="bg1">
-                      <a:lumMod val="50000"/>
-                    </a:schemeClr>
-                  </a:solidFill>
-                </a:endParaRPr>
+                <a:endParaRPr lang="zh-CN" altLang="en-US" sz="2000" b="1" dirty="0"/>
               </a:p>
             </p:txBody>
           </p:sp>
@@ -5157,7 +5148,7 @@
             <p:spPr>
               <a:xfrm>
                 <a:off x="2010464" y="8915385"/>
-                <a:ext cx="453578" cy="932308"/>
+                <a:ext cx="453578" cy="932307"/>
               </a:xfrm>
               <a:prstGeom prst="rect">
                 <a:avLst/>
@@ -5173,22 +5164,11 @@
                 <a:pPr algn="ctr"/>
                 <a:r>
                   <a:rPr lang="en-US" altLang="zh-CN" sz="2000" b="1" i="0" dirty="0">
-                    <a:solidFill>
-                      <a:schemeClr val="bg1">
-                        <a:lumMod val="50000"/>
-                      </a:schemeClr>
-                    </a:solidFill>
                     <a:effectLst/>
                   </a:rPr>
                   <a:t>p &lt; 0.05</a:t>
                 </a:r>
-                <a:endParaRPr lang="zh-CN" altLang="en-US" sz="2000" b="1" dirty="0">
-                  <a:solidFill>
-                    <a:schemeClr val="bg1">
-                      <a:lumMod val="50000"/>
-                    </a:schemeClr>
-                  </a:solidFill>
-                </a:endParaRPr>
+                <a:endParaRPr lang="zh-CN" altLang="en-US" sz="2000" b="1" dirty="0"/>
               </a:p>
             </p:txBody>
           </p:sp>
@@ -5207,7 +5187,7 @@
             <p:spPr>
               <a:xfrm>
                 <a:off x="1755629" y="10173061"/>
-                <a:ext cx="737064" cy="932308"/>
+                <a:ext cx="737064" cy="932307"/>
               </a:xfrm>
               <a:prstGeom prst="rect">
                 <a:avLst/>
@@ -5223,18 +5203,12 @@
                 <a:pPr algn="ctr"/>
                 <a:r>
                   <a:rPr lang="el-GR" altLang="zh-CN" sz="2000" b="1" i="0" dirty="0">
-                    <a:solidFill>
-                      <a:srgbClr val="FF0000"/>
-                    </a:solidFill>
                     <a:effectLst/>
                   </a:rPr>
                   <a:t>ρ</a:t>
                 </a:r>
                 <a:r>
                   <a:rPr lang="en-US" altLang="zh-CN" sz="2000" b="1" i="0" dirty="0">
-                    <a:solidFill>
-                      <a:srgbClr val="FF0000"/>
-                    </a:solidFill>
                     <a:effectLst/>
                   </a:rPr>
                   <a:t> &lt; 0</a:t>
@@ -5243,22 +5217,10 @@
               <a:p>
                 <a:pPr algn="ctr"/>
                 <a:r>
-                  <a:rPr lang="en-US" altLang="zh-CN" sz="2000" b="1" dirty="0">
-                    <a:solidFill>
-                      <a:schemeClr val="bg1">
-                        <a:lumMod val="50000"/>
-                      </a:schemeClr>
-                    </a:solidFill>
-                  </a:rPr>
+                  <a:rPr lang="en-US" altLang="zh-CN" sz="2000" b="1" dirty="0"/>
                   <a:t>p &lt; 0.05</a:t>
                 </a:r>
-                <a:endParaRPr lang="zh-CN" altLang="en-US" sz="2000" b="1" dirty="0">
-                  <a:solidFill>
-                    <a:schemeClr val="bg1">
-                      <a:lumMod val="50000"/>
-                    </a:schemeClr>
-                  </a:solidFill>
-                </a:endParaRPr>
+                <a:endParaRPr lang="zh-CN" altLang="en-US" sz="2000" b="1" dirty="0"/>
               </a:p>
             </p:txBody>
           </p:sp>
@@ -5277,8 +5239,8 @@
           </p:nvSpPr>
           <p:spPr>
             <a:xfrm>
-              <a:off x="2192810" y="7001265"/>
-              <a:ext cx="4696735" cy="477054"/>
+              <a:off x="2378149" y="7001265"/>
+              <a:ext cx="4326055" cy="477054"/>
             </a:xfrm>
             <a:prstGeom prst="rect">
               <a:avLst/>
@@ -5315,7 +5277,7 @@
           <p:spPr>
             <a:xfrm>
               <a:off x="1395300" y="7412262"/>
-              <a:ext cx="569387" cy="4176015"/>
+              <a:ext cx="524449" cy="4176015"/>
             </a:xfrm>
             <a:prstGeom prst="rect">
               <a:avLst/>
@@ -5368,18 +5330,10 @@
           <a:p>
             <a:pPr algn="ctr"/>
             <a:r>
-              <a:rPr lang="en-US" altLang="zh-CN" sz="3000" b="1" dirty="0">
-                <a:solidFill>
-                  <a:srgbClr val="4F4F4F"/>
-                </a:solidFill>
-              </a:rPr>
+              <a:rPr lang="en-US" altLang="zh-CN" sz="3000" b="1" dirty="0"/>
               <a:t>Definition of differential correlation classes</a:t>
             </a:r>
-            <a:endParaRPr lang="zh-CN" altLang="en-US" sz="3000" b="1" dirty="0">
-              <a:solidFill>
-                <a:srgbClr val="4F4F4F"/>
-              </a:solidFill>
-            </a:endParaRPr>
+            <a:endParaRPr lang="zh-CN" altLang="en-US" sz="3000" b="1" dirty="0"/>
           </a:p>
         </p:txBody>
       </p:sp>
@@ -5485,18 +5439,10 @@
           <a:p>
             <a:pPr algn="ctr"/>
             <a:r>
-              <a:rPr lang="en-US" altLang="zh-CN" sz="3000" b="1" dirty="0">
-                <a:solidFill>
-                  <a:srgbClr val="4F4F4F"/>
-                </a:solidFill>
-              </a:rPr>
+              <a:rPr lang="en-US" altLang="zh-CN" sz="3000" b="1" dirty="0"/>
               <a:t>Density graph with z-score (CRC vs control)</a:t>
             </a:r>
-            <a:endParaRPr lang="zh-CN" altLang="en-US" sz="3000" b="1" dirty="0">
-              <a:solidFill>
-                <a:srgbClr val="4F4F4F"/>
-              </a:solidFill>
-            </a:endParaRPr>
+            <a:endParaRPr lang="zh-CN" altLang="en-US" sz="3000" b="1" dirty="0"/>
           </a:p>
         </p:txBody>
       </p:sp>
@@ -6863,10 +6809,10 @@
         </p:nvGrpSpPr>
         <p:grpSpPr>
           <a:xfrm>
-            <a:off x="522795" y="1196798"/>
-            <a:ext cx="11871692" cy="6953196"/>
-            <a:chOff x="678008" y="1830736"/>
-            <a:chExt cx="11562336" cy="6680062"/>
+            <a:off x="530519" y="1196798"/>
+            <a:ext cx="11863968" cy="6934320"/>
+            <a:chOff x="685531" y="1830736"/>
+            <a:chExt cx="11554813" cy="6661927"/>
           </a:xfrm>
         </p:grpSpPr>
         <p:grpSp>
@@ -6883,10 +6829,10 @@
           </p:nvGrpSpPr>
           <p:grpSpPr>
             <a:xfrm>
-              <a:off x="678008" y="1830736"/>
-              <a:ext cx="11018740" cy="6680062"/>
-              <a:chOff x="490343" y="1001736"/>
-              <a:chExt cx="11018740" cy="6680062"/>
+              <a:off x="685531" y="1830736"/>
+              <a:ext cx="11004759" cy="6661927"/>
+              <a:chOff x="497866" y="1001736"/>
+              <a:chExt cx="11004759" cy="6661927"/>
             </a:xfrm>
           </p:grpSpPr>
           <p:grpSp>
@@ -6903,10 +6849,10 @@
             </p:nvGrpSpPr>
             <p:grpSpPr>
               <a:xfrm>
-                <a:off x="490343" y="1001736"/>
-                <a:ext cx="11018740" cy="6680062"/>
-                <a:chOff x="-12546" y="17790803"/>
-                <a:chExt cx="16708244" cy="6680062"/>
+                <a:off x="497866" y="1001736"/>
+                <a:ext cx="11004759" cy="6661927"/>
+                <a:chOff x="-1137" y="17790803"/>
+                <a:chExt cx="16687044" cy="6661927"/>
               </a:xfrm>
             </p:grpSpPr>
             <p:sp>
@@ -6923,8 +6869,8 @@
               </p:nvSpPr>
               <p:spPr>
                 <a:xfrm>
-                  <a:off x="15944122" y="24009200"/>
-                  <a:ext cx="751576" cy="461665"/>
+                  <a:off x="15953915" y="24009200"/>
+                  <a:ext cx="731992" cy="443530"/>
                 </a:xfrm>
                 <a:prstGeom prst="rect">
                   <a:avLst/>
@@ -6960,8 +6906,8 @@
               </p:nvSpPr>
               <p:spPr>
                 <a:xfrm>
-                  <a:off x="12775613" y="24009199"/>
-                  <a:ext cx="751576" cy="461665"/>
+                  <a:off x="12785404" y="24009199"/>
+                  <a:ext cx="731992" cy="443530"/>
                 </a:xfrm>
                 <a:prstGeom prst="rect">
                   <a:avLst/>
@@ -6997,8 +6943,8 @@
               </p:nvSpPr>
               <p:spPr>
                 <a:xfrm>
-                  <a:off x="9630384" y="24009199"/>
-                  <a:ext cx="751576" cy="461665"/>
+                  <a:off x="9640175" y="24009199"/>
+                  <a:ext cx="731992" cy="443530"/>
                 </a:xfrm>
                 <a:prstGeom prst="rect">
                   <a:avLst/>
@@ -7034,8 +6980,8 @@
               </p:nvSpPr>
               <p:spPr>
                 <a:xfrm>
-                  <a:off x="6608804" y="24009198"/>
-                  <a:ext cx="515798" cy="461665"/>
+                  <a:off x="6615526" y="24009198"/>
+                  <a:ext cx="502356" cy="443530"/>
                 </a:xfrm>
                 <a:prstGeom prst="rect">
                   <a:avLst/>
@@ -7071,8 +7017,8 @@
               </p:nvSpPr>
               <p:spPr>
                 <a:xfrm>
-                  <a:off x="3224997" y="24009198"/>
-                  <a:ext cx="894988" cy="461665"/>
+                  <a:off x="3236660" y="24009198"/>
+                  <a:ext cx="871666" cy="443530"/>
                 </a:xfrm>
                 <a:prstGeom prst="rect">
                   <a:avLst/>
@@ -7108,8 +7054,8 @@
               </p:nvSpPr>
               <p:spPr>
                 <a:xfrm>
-                  <a:off x="-12544" y="23475527"/>
-                  <a:ext cx="875542" cy="461665"/>
+                  <a:off x="-1135" y="23475527"/>
+                  <a:ext cx="852727" cy="443530"/>
                 </a:xfrm>
                 <a:prstGeom prst="rect">
                   <a:avLst/>
@@ -7145,8 +7091,8 @@
               </p:nvSpPr>
               <p:spPr>
                 <a:xfrm>
-                  <a:off x="-12546" y="21577610"/>
-                  <a:ext cx="875542" cy="461665"/>
+                  <a:off x="-1137" y="21577610"/>
+                  <a:ext cx="852727" cy="443530"/>
                 </a:xfrm>
                 <a:prstGeom prst="rect">
                   <a:avLst/>
@@ -7182,8 +7128,8 @@
               </p:nvSpPr>
               <p:spPr>
                 <a:xfrm>
-                  <a:off x="-12544" y="19699015"/>
-                  <a:ext cx="875542" cy="461665"/>
+                  <a:off x="-1136" y="19699015"/>
+                  <a:ext cx="852727" cy="443530"/>
                 </a:xfrm>
                 <a:prstGeom prst="rect">
                   <a:avLst/>
@@ -7219,8 +7165,8 @@
               </p:nvSpPr>
               <p:spPr>
                 <a:xfrm>
-                  <a:off x="-12544" y="17790803"/>
-                  <a:ext cx="875542" cy="461665"/>
+                  <a:off x="-1136" y="17790803"/>
+                  <a:ext cx="852727" cy="443530"/>
                 </a:xfrm>
                 <a:prstGeom prst="rect">
                   <a:avLst/>
@@ -7354,7 +7300,7 @@
             <p:spPr>
               <a:xfrm>
                 <a:off x="2093233" y="2183723"/>
-                <a:ext cx="1446230" cy="461665"/>
+                <a:ext cx="1408544" cy="443530"/>
               </a:xfrm>
               <a:prstGeom prst="rect">
                 <a:avLst/>
@@ -7390,7 +7336,7 @@
             <p:spPr>
               <a:xfrm>
                 <a:off x="2093233" y="2745880"/>
-                <a:ext cx="1465466" cy="461665"/>
+                <a:ext cx="1427278" cy="443530"/>
               </a:xfrm>
               <a:prstGeom prst="rect">
                 <a:avLst/>
@@ -7426,7 +7372,7 @@
             <p:spPr>
               <a:xfrm>
                 <a:off x="2093233" y="3337402"/>
-                <a:ext cx="1455848" cy="461665"/>
+                <a:ext cx="1417911" cy="443530"/>
               </a:xfrm>
               <a:prstGeom prst="rect">
                 <a:avLst/>
@@ -7510,18 +7456,12 @@
             <a:pPr algn="ctr"/>
             <a:r>
               <a:rPr lang="zh-CN" altLang="en-US" sz="2000" b="1" dirty="0">
-                <a:solidFill>
-                  <a:srgbClr val="4F4F4F"/>
-                </a:solidFill>
                 <a:latin typeface="-apple-system"/>
               </a:rPr>
               <a:t>z-score </a:t>
             </a:r>
             <a:r>
               <a:rPr lang="en-US" altLang="zh-CN" sz="2000" b="1" dirty="0">
-                <a:solidFill>
-                  <a:srgbClr val="4F4F4F"/>
-                </a:solidFill>
                 <a:latin typeface="-apple-system"/>
               </a:rPr>
               <a:t>represents of the relative strength of differential correlation</a:t>
@@ -7602,7 +7542,7 @@
               <a:off x="9218893" y="11008202"/>
               <a:ext cx="1533858" cy="2148386"/>
               <a:chOff x="1465777" y="8065837"/>
-              <a:chExt cx="3341836" cy="1692392"/>
+              <a:chExt cx="3341837" cy="1692392"/>
             </a:xfrm>
           </p:grpSpPr>
           <p:sp>
@@ -7620,7 +7560,7 @@
             <p:spPr>
               <a:xfrm>
                 <a:off x="1465777" y="8065837"/>
-                <a:ext cx="1907597" cy="290942"/>
+                <a:ext cx="1907598" cy="290942"/>
               </a:xfrm>
               <a:prstGeom prst="rect">
                 <a:avLst/>
@@ -7657,7 +7597,7 @@
             <p:spPr>
               <a:xfrm>
                 <a:off x="2350250" y="9273510"/>
-                <a:ext cx="1907595" cy="290942"/>
+                <a:ext cx="1907596" cy="290942"/>
               </a:xfrm>
               <a:prstGeom prst="rect">
                 <a:avLst/>
@@ -7694,7 +7634,7 @@
             <p:spPr>
               <a:xfrm>
                 <a:off x="2900018" y="9467287"/>
-                <a:ext cx="1907595" cy="290942"/>
+                <a:ext cx="1907596" cy="290942"/>
               </a:xfrm>
               <a:prstGeom prst="rect">
                 <a:avLst/>
@@ -7733,8 +7673,8 @@
             <a:xfrm>
               <a:off x="8645939" y="11306175"/>
               <a:ext cx="725206" cy="2909967"/>
-              <a:chOff x="-124397" y="8198457"/>
-              <a:chExt cx="1580013" cy="3150435"/>
+              <a:chOff x="-124395" y="8198457"/>
+              <a:chExt cx="1580011" cy="3150435"/>
             </a:xfrm>
           </p:grpSpPr>
           <p:sp>
@@ -7751,8 +7691,8 @@
             </p:nvSpPr>
             <p:spPr>
               <a:xfrm>
-                <a:off x="45889" y="10849077"/>
-                <a:ext cx="1230051" cy="499815"/>
+                <a:off x="45891" y="10849077"/>
+                <a:ext cx="1230049" cy="499815"/>
               </a:xfrm>
               <a:prstGeom prst="rect">
                 <a:avLst/>
@@ -7788,8 +7728,8 @@
             </p:nvSpPr>
             <p:spPr>
               <a:xfrm>
-                <a:off x="-124397" y="9523779"/>
-                <a:ext cx="1568821" cy="499815"/>
+                <a:off x="-124395" y="9523779"/>
+                <a:ext cx="1568820" cy="499815"/>
               </a:xfrm>
               <a:prstGeom prst="rect">
                 <a:avLst/>
@@ -7825,8 +7765,8 @@
             </p:nvSpPr>
             <p:spPr>
               <a:xfrm>
-                <a:off x="-113207" y="8198457"/>
-                <a:ext cx="1568823" cy="499815"/>
+                <a:off x="-113206" y="8198457"/>
+                <a:ext cx="1568822" cy="499815"/>
               </a:xfrm>
               <a:prstGeom prst="rect">
                 <a:avLst/>
@@ -7883,9 +7823,6 @@
                   <a:ln>
                     <a:noFill/>
                   </a:ln>
-                  <a:solidFill>
-                    <a:srgbClr val="4F4F4F"/>
-                  </a:solidFill>
                   <a:effectLst/>
                   <a:uLnTx/>
                   <a:uFillTx/>
@@ -7899,9 +7836,6 @@
                   <a:ln>
                     <a:noFill/>
                   </a:ln>
-                  <a:solidFill>
-                    <a:srgbClr val="4F4F4F"/>
-                  </a:solidFill>
                   <a:effectLst/>
                   <a:uLnTx/>
                   <a:uFillTx/>
@@ -7915,9 +7849,6 @@
                   <a:ln>
                     <a:noFill/>
                   </a:ln>
-                  <a:solidFill>
-                    <a:srgbClr val="4F4F4F"/>
-                  </a:solidFill>
                   <a:effectLst/>
                   <a:uLnTx/>
                   <a:uFillTx/>
@@ -7977,9 +7908,9 @@
           <p:grpSpPr>
             <a:xfrm>
               <a:off x="10287503" y="10264782"/>
-              <a:ext cx="1440689" cy="2083694"/>
-              <a:chOff x="1477689" y="7120179"/>
-              <a:chExt cx="3138849" cy="1641431"/>
+              <a:ext cx="1440691" cy="2083694"/>
+              <a:chOff x="1477687" y="7120179"/>
+              <a:chExt cx="3138853" cy="1641431"/>
             </a:xfrm>
           </p:grpSpPr>
           <p:sp>
@@ -7996,8 +7927,8 @@
             </p:nvSpPr>
             <p:spPr>
               <a:xfrm>
-                <a:off x="1477689" y="8131421"/>
-                <a:ext cx="1907597" cy="290941"/>
+                <a:off x="1477687" y="8131421"/>
+                <a:ext cx="1907598" cy="290941"/>
               </a:xfrm>
               <a:prstGeom prst="rect">
                 <a:avLst/>
@@ -8033,8 +7964,8 @@
             </p:nvSpPr>
             <p:spPr>
               <a:xfrm>
-                <a:off x="2375865" y="8470669"/>
-                <a:ext cx="1907598" cy="290941"/>
+                <a:off x="2278331" y="8470669"/>
+                <a:ext cx="1907599" cy="290941"/>
               </a:xfrm>
               <a:prstGeom prst="rect">
                 <a:avLst/>
@@ -8070,8 +8001,8 @@
             </p:nvSpPr>
             <p:spPr>
               <a:xfrm>
-                <a:off x="2708940" y="7120179"/>
-                <a:ext cx="1907598" cy="290941"/>
+                <a:off x="2708941" y="7120179"/>
+                <a:ext cx="1907599" cy="290941"/>
               </a:xfrm>
               <a:prstGeom prst="rect">
                 <a:avLst/>
@@ -8241,8 +8172,8 @@
           <p:grpSpPr>
             <a:xfrm>
               <a:off x="12461075" y="13338429"/>
-              <a:ext cx="1254329" cy="723471"/>
-              <a:chOff x="1530072" y="8321850"/>
+              <a:ext cx="1254330" cy="723471"/>
+              <a:chOff x="1530073" y="8321850"/>
               <a:chExt cx="2732825" cy="569914"/>
             </a:xfrm>
           </p:grpSpPr>
@@ -8260,8 +8191,8 @@
             </p:nvSpPr>
             <p:spPr>
               <a:xfrm>
-                <a:off x="1530072" y="8610710"/>
-                <a:ext cx="1190100" cy="281054"/>
+                <a:off x="1530073" y="8610710"/>
+                <a:ext cx="1190099" cy="281054"/>
               </a:xfrm>
               <a:prstGeom prst="rect">
                 <a:avLst/>
@@ -8298,7 +8229,7 @@
             <p:spPr>
               <a:xfrm>
                 <a:off x="2138922" y="8511092"/>
-                <a:ext cx="1652646" cy="290942"/>
+                <a:ext cx="1652645" cy="290942"/>
               </a:xfrm>
               <a:prstGeom prst="rect">
                 <a:avLst/>
@@ -8335,7 +8266,7 @@
             <p:spPr>
               <a:xfrm>
                 <a:off x="2610252" y="8321850"/>
-                <a:ext cx="1652645" cy="290942"/>
+                <a:ext cx="1652646" cy="290942"/>
               </a:xfrm>
               <a:prstGeom prst="rect">
                 <a:avLst/>
@@ -8506,7 +8437,7 @@
             <a:xfrm>
               <a:off x="14567027" y="13267304"/>
               <a:ext cx="1177735" cy="825109"/>
-              <a:chOff x="1457328" y="8272561"/>
+              <a:chOff x="1457330" y="8272561"/>
               <a:chExt cx="2565941" cy="649977"/>
             </a:xfrm>
           </p:grpSpPr>
@@ -8524,8 +8455,8 @@
             </p:nvSpPr>
             <p:spPr>
               <a:xfrm>
-                <a:off x="1457328" y="8641484"/>
-                <a:ext cx="1190100" cy="281054"/>
+                <a:off x="1457330" y="8641484"/>
+                <a:ext cx="1190099" cy="281054"/>
               </a:xfrm>
               <a:prstGeom prst="rect">
                 <a:avLst/>
@@ -8598,8 +8529,8 @@
             </p:nvSpPr>
             <p:spPr>
               <a:xfrm>
-                <a:off x="2833171" y="8625707"/>
-                <a:ext cx="1190098" cy="281054"/>
+                <a:off x="2833172" y="8625707"/>
+                <a:ext cx="1190099" cy="281054"/>
               </a:xfrm>
               <a:prstGeom prst="rect">
                 <a:avLst/>
@@ -8657,7 +8588,7 @@
             <p:spPr>
               <a:xfrm>
                 <a:off x="1374307" y="8606905"/>
-                <a:ext cx="1190097" cy="281054"/>
+                <a:ext cx="1190096" cy="281054"/>
               </a:xfrm>
               <a:prstGeom prst="rect">
                 <a:avLst/>
@@ -9130,7 +9061,7 @@
         <p:spPr>
           <a:xfrm>
             <a:off x="56351" y="4124688"/>
-            <a:ext cx="569387" cy="1097416"/>
+            <a:ext cx="569387" cy="1097415"/>
           </a:xfrm>
           <a:prstGeom prst="rect">
             <a:avLst/>
@@ -9241,7 +9172,7 @@
         <p:spPr>
           <a:xfrm>
             <a:off x="12483298" y="6254101"/>
-            <a:ext cx="569387" cy="1097416"/>
+            <a:ext cx="569387" cy="1097415"/>
           </a:xfrm>
           <a:prstGeom prst="rect">
             <a:avLst/>
@@ -9278,7 +9209,7 @@
         <p:spPr>
           <a:xfrm>
             <a:off x="12483298" y="1594826"/>
-            <a:ext cx="569387" cy="1097416"/>
+            <a:ext cx="569387" cy="1097415"/>
           </a:xfrm>
           <a:prstGeom prst="rect">
             <a:avLst/>
@@ -9315,7 +9246,7 @@
         <p:spPr>
           <a:xfrm>
             <a:off x="12483298" y="3936638"/>
-            <a:ext cx="569387" cy="1097416"/>
+            <a:ext cx="569387" cy="1097415"/>
           </a:xfrm>
           <a:prstGeom prst="rect">
             <a:avLst/>
@@ -9337,6 +9268,612 @@
           </a:p>
         </p:txBody>
       </p:sp>
+      <p:grpSp>
+        <p:nvGrpSpPr>
+          <p:cNvPr id="4" name="组合 3">
+            <a:extLst>
+              <a:ext uri="{FF2B5EF4-FFF2-40B4-BE49-F238E27FC236}">
+                <a16:creationId xmlns:a16="http://schemas.microsoft.com/office/drawing/2014/main" id="{6D0E73C8-27D6-4CEB-B87F-5A438671EDE4}"/>
+              </a:ext>
+            </a:extLst>
+          </p:cNvPr>
+          <p:cNvGrpSpPr/>
+          <p:nvPr/>
+        </p:nvGrpSpPr>
+        <p:grpSpPr>
+          <a:xfrm>
+            <a:off x="10009291" y="1566970"/>
+            <a:ext cx="2069161" cy="1332788"/>
+            <a:chOff x="9000331" y="1630412"/>
+            <a:chExt cx="2069161" cy="1332788"/>
+          </a:xfrm>
+        </p:grpSpPr>
+        <p:sp>
+          <p:nvSpPr>
+            <p:cNvPr id="2" name="矩形 1">
+              <a:extLst>
+                <a:ext uri="{FF2B5EF4-FFF2-40B4-BE49-F238E27FC236}">
+                  <a16:creationId xmlns:a16="http://schemas.microsoft.com/office/drawing/2014/main" id="{91078942-EA74-423A-83E2-B71186EB68D3}"/>
+                </a:ext>
+              </a:extLst>
+            </p:cNvPr>
+            <p:cNvSpPr/>
+            <p:nvPr/>
+          </p:nvSpPr>
+          <p:spPr>
+            <a:xfrm>
+              <a:off x="9000331" y="1650768"/>
+              <a:ext cx="331157" cy="331157"/>
+            </a:xfrm>
+            <a:prstGeom prst="rect">
+              <a:avLst/>
+            </a:prstGeom>
+            <a:solidFill>
+              <a:srgbClr val="004586"/>
+            </a:solidFill>
+            <a:ln>
+              <a:solidFill>
+                <a:schemeClr val="tx1"/>
+              </a:solidFill>
+            </a:ln>
+          </p:spPr>
+          <p:style>
+            <a:lnRef idx="2">
+              <a:schemeClr val="accent1">
+                <a:shade val="50000"/>
+              </a:schemeClr>
+            </a:lnRef>
+            <a:fillRef idx="1">
+              <a:schemeClr val="accent1"/>
+            </a:fillRef>
+            <a:effectRef idx="0">
+              <a:schemeClr val="accent1"/>
+            </a:effectRef>
+            <a:fontRef idx="minor">
+              <a:schemeClr val="lt1"/>
+            </a:fontRef>
+          </p:style>
+          <p:txBody>
+            <a:bodyPr rtlCol="0" anchor="ctr"/>
+            <a:lstStyle/>
+            <a:p>
+              <a:pPr algn="ctr"/>
+              <a:endParaRPr lang="zh-CN" altLang="en-US"/>
+            </a:p>
+          </p:txBody>
+        </p:sp>
+        <p:sp>
+          <p:nvSpPr>
+            <p:cNvPr id="130" name="矩形 129">
+              <a:extLst>
+                <a:ext uri="{FF2B5EF4-FFF2-40B4-BE49-F238E27FC236}">
+                  <a16:creationId xmlns:a16="http://schemas.microsoft.com/office/drawing/2014/main" id="{C4562BBF-4B0B-482F-837B-0793DE6F1901}"/>
+                </a:ext>
+              </a:extLst>
+            </p:cNvPr>
+            <p:cNvSpPr/>
+            <p:nvPr/>
+          </p:nvSpPr>
+          <p:spPr>
+            <a:xfrm>
+              <a:off x="9000331" y="2131228"/>
+              <a:ext cx="331157" cy="331157"/>
+            </a:xfrm>
+            <a:prstGeom prst="rect">
+              <a:avLst/>
+            </a:prstGeom>
+            <a:solidFill>
+              <a:srgbClr val="FF420E"/>
+            </a:solidFill>
+            <a:ln>
+              <a:solidFill>
+                <a:schemeClr val="tx1"/>
+              </a:solidFill>
+            </a:ln>
+          </p:spPr>
+          <p:style>
+            <a:lnRef idx="2">
+              <a:schemeClr val="accent1">
+                <a:shade val="50000"/>
+              </a:schemeClr>
+            </a:lnRef>
+            <a:fillRef idx="1">
+              <a:schemeClr val="accent1"/>
+            </a:fillRef>
+            <a:effectRef idx="0">
+              <a:schemeClr val="accent1"/>
+            </a:effectRef>
+            <a:fontRef idx="minor">
+              <a:schemeClr val="lt1"/>
+            </a:fontRef>
+          </p:style>
+          <p:txBody>
+            <a:bodyPr rtlCol="0" anchor="ctr"/>
+            <a:lstStyle/>
+            <a:p>
+              <a:pPr algn="ctr"/>
+              <a:endParaRPr lang="zh-CN" altLang="en-US"/>
+            </a:p>
+          </p:txBody>
+        </p:sp>
+        <p:sp>
+          <p:nvSpPr>
+            <p:cNvPr id="131" name="矩形 130">
+              <a:extLst>
+                <a:ext uri="{FF2B5EF4-FFF2-40B4-BE49-F238E27FC236}">
+                  <a16:creationId xmlns:a16="http://schemas.microsoft.com/office/drawing/2014/main" id="{0ACC3AEC-F0B8-418B-A5AE-1864E0C5FAE7}"/>
+                </a:ext>
+              </a:extLst>
+            </p:cNvPr>
+            <p:cNvSpPr/>
+            <p:nvPr/>
+          </p:nvSpPr>
+          <p:spPr>
+            <a:xfrm>
+              <a:off x="9000331" y="2611688"/>
+              <a:ext cx="331157" cy="331157"/>
+            </a:xfrm>
+            <a:prstGeom prst="rect">
+              <a:avLst/>
+            </a:prstGeom>
+            <a:solidFill>
+              <a:srgbClr val="FFD320"/>
+            </a:solidFill>
+            <a:ln>
+              <a:solidFill>
+                <a:schemeClr val="tx1"/>
+              </a:solidFill>
+            </a:ln>
+          </p:spPr>
+          <p:style>
+            <a:lnRef idx="2">
+              <a:schemeClr val="accent1">
+                <a:shade val="50000"/>
+              </a:schemeClr>
+            </a:lnRef>
+            <a:fillRef idx="1">
+              <a:schemeClr val="accent1"/>
+            </a:fillRef>
+            <a:effectRef idx="0">
+              <a:schemeClr val="accent1"/>
+            </a:effectRef>
+            <a:fontRef idx="minor">
+              <a:schemeClr val="lt1"/>
+            </a:fontRef>
+          </p:style>
+          <p:txBody>
+            <a:bodyPr rtlCol="0" anchor="ctr"/>
+            <a:lstStyle/>
+            <a:p>
+              <a:pPr algn="ctr"/>
+              <a:endParaRPr lang="zh-CN" altLang="en-US"/>
+            </a:p>
+          </p:txBody>
+        </p:sp>
+        <p:sp>
+          <p:nvSpPr>
+            <p:cNvPr id="133" name="文本框 132">
+              <a:extLst>
+                <a:ext uri="{FF2B5EF4-FFF2-40B4-BE49-F238E27FC236}">
+                  <a16:creationId xmlns:a16="http://schemas.microsoft.com/office/drawing/2014/main" id="{161969D2-424E-454B-BA1A-11EDC1512F47}"/>
+                </a:ext>
+              </a:extLst>
+            </p:cNvPr>
+            <p:cNvSpPr txBox="1"/>
+            <p:nvPr/>
+          </p:nvSpPr>
+          <p:spPr>
+            <a:xfrm>
+              <a:off x="9385583" y="1630412"/>
+              <a:ext cx="1683909" cy="371868"/>
+            </a:xfrm>
+            <a:prstGeom prst="rect">
+              <a:avLst/>
+            </a:prstGeom>
+            <a:noFill/>
+          </p:spPr>
+          <p:txBody>
+            <a:bodyPr wrap="square">
+              <a:spAutoFit/>
+            </a:bodyPr>
+            <a:lstStyle/>
+            <a:p>
+              <a:r>
+                <a:rPr lang="en-US" altLang="zh-CN" sz="1800" dirty="0">
+                  <a:effectLst/>
+                  <a:latin typeface="DengXian" panose="02010600030101010101" pitchFamily="2" charset="-122"/>
+                  <a:cs typeface="Times New Roman" panose="02020603050405020304" pitchFamily="18" charset="0"/>
+                </a:rPr>
+                <a:t>Intra-bacteria</a:t>
+              </a:r>
+              <a:endParaRPr lang="zh-CN" altLang="en-US" dirty="0"/>
+            </a:p>
+          </p:txBody>
+        </p:sp>
+        <p:sp>
+          <p:nvSpPr>
+            <p:cNvPr id="134" name="文本框 133">
+              <a:extLst>
+                <a:ext uri="{FF2B5EF4-FFF2-40B4-BE49-F238E27FC236}">
+                  <a16:creationId xmlns:a16="http://schemas.microsoft.com/office/drawing/2014/main" id="{509AE93C-3E77-4CDC-BFED-D2192E58A8D0}"/>
+                </a:ext>
+              </a:extLst>
+            </p:cNvPr>
+            <p:cNvSpPr txBox="1"/>
+            <p:nvPr/>
+          </p:nvSpPr>
+          <p:spPr>
+            <a:xfrm>
+              <a:off x="9385583" y="2110872"/>
+              <a:ext cx="1683909" cy="371868"/>
+            </a:xfrm>
+            <a:prstGeom prst="rect">
+              <a:avLst/>
+            </a:prstGeom>
+            <a:noFill/>
+          </p:spPr>
+          <p:txBody>
+            <a:bodyPr wrap="square">
+              <a:spAutoFit/>
+            </a:bodyPr>
+            <a:lstStyle/>
+            <a:p>
+              <a:r>
+                <a:rPr lang="en-US" altLang="zh-CN" sz="1800" dirty="0">
+                  <a:effectLst/>
+                  <a:latin typeface="DengXian" panose="02010600030101010101" pitchFamily="2" charset="-122"/>
+                  <a:cs typeface="Times New Roman" panose="02020603050405020304" pitchFamily="18" charset="0"/>
+                </a:rPr>
+                <a:t>Intra-fungi</a:t>
+              </a:r>
+              <a:endParaRPr lang="zh-CN" altLang="en-US" dirty="0"/>
+            </a:p>
+          </p:txBody>
+        </p:sp>
+        <p:sp>
+          <p:nvSpPr>
+            <p:cNvPr id="135" name="文本框 134">
+              <a:extLst>
+                <a:ext uri="{FF2B5EF4-FFF2-40B4-BE49-F238E27FC236}">
+                  <a16:creationId xmlns:a16="http://schemas.microsoft.com/office/drawing/2014/main" id="{6E12B53F-236B-4206-88BC-4C8A8101D110}"/>
+                </a:ext>
+              </a:extLst>
+            </p:cNvPr>
+            <p:cNvSpPr txBox="1"/>
+            <p:nvPr/>
+          </p:nvSpPr>
+          <p:spPr>
+            <a:xfrm>
+              <a:off x="9385583" y="2591332"/>
+              <a:ext cx="1683909" cy="371868"/>
+            </a:xfrm>
+            <a:prstGeom prst="rect">
+              <a:avLst/>
+            </a:prstGeom>
+            <a:noFill/>
+          </p:spPr>
+          <p:txBody>
+            <a:bodyPr wrap="square">
+              <a:spAutoFit/>
+            </a:bodyPr>
+            <a:lstStyle/>
+            <a:p>
+              <a:r>
+                <a:rPr lang="en-US" altLang="zh-CN" sz="1800" dirty="0">
+                  <a:effectLst/>
+                  <a:latin typeface="DengXian" panose="02010600030101010101" pitchFamily="2" charset="-122"/>
+                  <a:cs typeface="Times New Roman" panose="02020603050405020304" pitchFamily="18" charset="0"/>
+                </a:rPr>
+                <a:t>Fungi-bacteria</a:t>
+              </a:r>
+              <a:endParaRPr lang="zh-CN" altLang="en-US" dirty="0"/>
+            </a:p>
+          </p:txBody>
+        </p:sp>
+      </p:grpSp>
+      <p:grpSp>
+        <p:nvGrpSpPr>
+          <p:cNvPr id="5" name="组合 4">
+            <a:extLst>
+              <a:ext uri="{FF2B5EF4-FFF2-40B4-BE49-F238E27FC236}">
+                <a16:creationId xmlns:a16="http://schemas.microsoft.com/office/drawing/2014/main" id="{81396CFB-6AAA-4468-AE63-FC7A65E8011F}"/>
+              </a:ext>
+            </a:extLst>
+          </p:cNvPr>
+          <p:cNvGrpSpPr/>
+          <p:nvPr/>
+        </p:nvGrpSpPr>
+        <p:grpSpPr>
+          <a:xfrm>
+            <a:off x="15603830" y="10238420"/>
+            <a:ext cx="2326825" cy="1191811"/>
+            <a:chOff x="15428927" y="10383321"/>
+            <a:chExt cx="2326825" cy="1191811"/>
+          </a:xfrm>
+        </p:grpSpPr>
+        <p:sp>
+          <p:nvSpPr>
+            <p:cNvPr id="138" name="矩形 137">
+              <a:extLst>
+                <a:ext uri="{FF2B5EF4-FFF2-40B4-BE49-F238E27FC236}">
+                  <a16:creationId xmlns:a16="http://schemas.microsoft.com/office/drawing/2014/main" id="{C701B1F1-679E-4611-B56C-43EB91E909FE}"/>
+                </a:ext>
+              </a:extLst>
+            </p:cNvPr>
+            <p:cNvSpPr/>
+            <p:nvPr/>
+          </p:nvSpPr>
+          <p:spPr>
+            <a:xfrm>
+              <a:off x="15428927" y="10400744"/>
+              <a:ext cx="283447" cy="283447"/>
+            </a:xfrm>
+            <a:prstGeom prst="rect">
+              <a:avLst/>
+            </a:prstGeom>
+            <a:solidFill>
+              <a:srgbClr val="004586"/>
+            </a:solidFill>
+            <a:ln>
+              <a:solidFill>
+                <a:schemeClr val="tx1"/>
+              </a:solidFill>
+            </a:ln>
+          </p:spPr>
+          <p:style>
+            <a:lnRef idx="2">
+              <a:schemeClr val="accent1">
+                <a:shade val="50000"/>
+              </a:schemeClr>
+            </a:lnRef>
+            <a:fillRef idx="1">
+              <a:schemeClr val="accent1"/>
+            </a:fillRef>
+            <a:effectRef idx="0">
+              <a:schemeClr val="accent1"/>
+            </a:effectRef>
+            <a:fontRef idx="minor">
+              <a:schemeClr val="lt1"/>
+            </a:fontRef>
+          </p:style>
+          <p:txBody>
+            <a:bodyPr rtlCol="0" anchor="ctr"/>
+            <a:lstStyle/>
+            <a:p>
+              <a:pPr algn="ctr"/>
+              <a:endParaRPr lang="zh-CN" altLang="en-US"/>
+            </a:p>
+          </p:txBody>
+        </p:sp>
+        <p:sp>
+          <p:nvSpPr>
+            <p:cNvPr id="139" name="矩形 138">
+              <a:extLst>
+                <a:ext uri="{FF2B5EF4-FFF2-40B4-BE49-F238E27FC236}">
+                  <a16:creationId xmlns:a16="http://schemas.microsoft.com/office/drawing/2014/main" id="{3E810FB4-719B-419D-A5D3-298A35537255}"/>
+                </a:ext>
+              </a:extLst>
+            </p:cNvPr>
+            <p:cNvSpPr/>
+            <p:nvPr/>
+          </p:nvSpPr>
+          <p:spPr>
+            <a:xfrm>
+              <a:off x="15428927" y="10811984"/>
+              <a:ext cx="283447" cy="283447"/>
+            </a:xfrm>
+            <a:prstGeom prst="rect">
+              <a:avLst/>
+            </a:prstGeom>
+            <a:solidFill>
+              <a:srgbClr val="FF420E"/>
+            </a:solidFill>
+            <a:ln>
+              <a:solidFill>
+                <a:schemeClr val="tx1"/>
+              </a:solidFill>
+            </a:ln>
+          </p:spPr>
+          <p:style>
+            <a:lnRef idx="2">
+              <a:schemeClr val="accent1">
+                <a:shade val="50000"/>
+              </a:schemeClr>
+            </a:lnRef>
+            <a:fillRef idx="1">
+              <a:schemeClr val="accent1"/>
+            </a:fillRef>
+            <a:effectRef idx="0">
+              <a:schemeClr val="accent1"/>
+            </a:effectRef>
+            <a:fontRef idx="minor">
+              <a:schemeClr val="lt1"/>
+            </a:fontRef>
+          </p:style>
+          <p:txBody>
+            <a:bodyPr rtlCol="0" anchor="ctr"/>
+            <a:lstStyle/>
+            <a:p>
+              <a:pPr algn="ctr"/>
+              <a:endParaRPr lang="zh-CN" altLang="en-US"/>
+            </a:p>
+          </p:txBody>
+        </p:sp>
+        <p:sp>
+          <p:nvSpPr>
+            <p:cNvPr id="140" name="矩形 139">
+              <a:extLst>
+                <a:ext uri="{FF2B5EF4-FFF2-40B4-BE49-F238E27FC236}">
+                  <a16:creationId xmlns:a16="http://schemas.microsoft.com/office/drawing/2014/main" id="{F22D9633-C969-4715-8723-E05E5F8D85A0}"/>
+                </a:ext>
+              </a:extLst>
+            </p:cNvPr>
+            <p:cNvSpPr/>
+            <p:nvPr/>
+          </p:nvSpPr>
+          <p:spPr>
+            <a:xfrm>
+              <a:off x="15428927" y="11223223"/>
+              <a:ext cx="283447" cy="283447"/>
+            </a:xfrm>
+            <a:prstGeom prst="rect">
+              <a:avLst/>
+            </a:prstGeom>
+            <a:solidFill>
+              <a:srgbClr val="FFD320"/>
+            </a:solidFill>
+            <a:ln>
+              <a:solidFill>
+                <a:schemeClr val="tx1"/>
+              </a:solidFill>
+            </a:ln>
+          </p:spPr>
+          <p:style>
+            <a:lnRef idx="2">
+              <a:schemeClr val="accent1">
+                <a:shade val="50000"/>
+              </a:schemeClr>
+            </a:lnRef>
+            <a:fillRef idx="1">
+              <a:schemeClr val="accent1"/>
+            </a:fillRef>
+            <a:effectRef idx="0">
+              <a:schemeClr val="accent1"/>
+            </a:effectRef>
+            <a:fontRef idx="minor">
+              <a:schemeClr val="lt1"/>
+            </a:fontRef>
+          </p:style>
+          <p:txBody>
+            <a:bodyPr rtlCol="0" anchor="ctr"/>
+            <a:lstStyle/>
+            <a:p>
+              <a:pPr algn="ctr"/>
+              <a:endParaRPr lang="zh-CN" altLang="en-US"/>
+            </a:p>
+          </p:txBody>
+        </p:sp>
+        <p:sp>
+          <p:nvSpPr>
+            <p:cNvPr id="141" name="文本框 140">
+              <a:extLst>
+                <a:ext uri="{FF2B5EF4-FFF2-40B4-BE49-F238E27FC236}">
+                  <a16:creationId xmlns:a16="http://schemas.microsoft.com/office/drawing/2014/main" id="{5FA0F2A5-734B-46FB-947F-CDA6421DAB02}"/>
+                </a:ext>
+              </a:extLst>
+            </p:cNvPr>
+            <p:cNvSpPr txBox="1"/>
+            <p:nvPr/>
+          </p:nvSpPr>
+          <p:spPr>
+            <a:xfrm>
+              <a:off x="15758675" y="10383321"/>
+              <a:ext cx="1997077" cy="369332"/>
+            </a:xfrm>
+            <a:prstGeom prst="rect">
+              <a:avLst/>
+            </a:prstGeom>
+            <a:noFill/>
+          </p:spPr>
+          <p:txBody>
+            <a:bodyPr wrap="square">
+              <a:spAutoFit/>
+            </a:bodyPr>
+            <a:lstStyle/>
+            <a:p>
+              <a:r>
+                <a:rPr lang="en-US" altLang="zh-CN" sz="1800" dirty="0">
+                  <a:effectLst/>
+                  <a:latin typeface="DengXian" panose="02010600030101010101" pitchFamily="2" charset="-122"/>
+                  <a:cs typeface="Times New Roman" panose="02020603050405020304" pitchFamily="18" charset="0"/>
+                </a:rPr>
+                <a:t>Intra-bacteria</a:t>
+              </a:r>
+              <a:endParaRPr lang="zh-CN" altLang="en-US" dirty="0"/>
+            </a:p>
+          </p:txBody>
+        </p:sp>
+        <p:sp>
+          <p:nvSpPr>
+            <p:cNvPr id="142" name="文本框 141">
+              <a:extLst>
+                <a:ext uri="{FF2B5EF4-FFF2-40B4-BE49-F238E27FC236}">
+                  <a16:creationId xmlns:a16="http://schemas.microsoft.com/office/drawing/2014/main" id="{0D59AAEF-A9D6-4EF3-AE2B-078DE3D352B7}"/>
+                </a:ext>
+              </a:extLst>
+            </p:cNvPr>
+            <p:cNvSpPr txBox="1"/>
+            <p:nvPr/>
+          </p:nvSpPr>
+          <p:spPr>
+            <a:xfrm>
+              <a:off x="15758675" y="10794560"/>
+              <a:ext cx="1997077" cy="369332"/>
+            </a:xfrm>
+            <a:prstGeom prst="rect">
+              <a:avLst/>
+            </a:prstGeom>
+            <a:noFill/>
+          </p:spPr>
+          <p:txBody>
+            <a:bodyPr wrap="square">
+              <a:spAutoFit/>
+            </a:bodyPr>
+            <a:lstStyle/>
+            <a:p>
+              <a:r>
+                <a:rPr lang="en-US" altLang="zh-CN" sz="1800" dirty="0">
+                  <a:effectLst/>
+                  <a:latin typeface="DengXian" panose="02010600030101010101" pitchFamily="2" charset="-122"/>
+                  <a:cs typeface="Times New Roman" panose="02020603050405020304" pitchFamily="18" charset="0"/>
+                </a:rPr>
+                <a:t>Intra-fungi</a:t>
+              </a:r>
+              <a:endParaRPr lang="zh-CN" altLang="en-US" dirty="0"/>
+            </a:p>
+          </p:txBody>
+        </p:sp>
+        <p:sp>
+          <p:nvSpPr>
+            <p:cNvPr id="143" name="文本框 142">
+              <a:extLst>
+                <a:ext uri="{FF2B5EF4-FFF2-40B4-BE49-F238E27FC236}">
+                  <a16:creationId xmlns:a16="http://schemas.microsoft.com/office/drawing/2014/main" id="{BFD57D1D-2139-4E35-831A-A7D8828F8C2A}"/>
+                </a:ext>
+              </a:extLst>
+            </p:cNvPr>
+            <p:cNvSpPr txBox="1"/>
+            <p:nvPr/>
+          </p:nvSpPr>
+          <p:spPr>
+            <a:xfrm>
+              <a:off x="15758675" y="11205800"/>
+              <a:ext cx="1997077" cy="369332"/>
+            </a:xfrm>
+            <a:prstGeom prst="rect">
+              <a:avLst/>
+            </a:prstGeom>
+            <a:noFill/>
+          </p:spPr>
+          <p:txBody>
+            <a:bodyPr wrap="square">
+              <a:spAutoFit/>
+            </a:bodyPr>
+            <a:lstStyle/>
+            <a:p>
+              <a:r>
+                <a:rPr lang="en-US" altLang="zh-CN" sz="1800" dirty="0">
+                  <a:effectLst/>
+                  <a:latin typeface="DengXian" panose="02010600030101010101" pitchFamily="2" charset="-122"/>
+                  <a:cs typeface="Times New Roman" panose="02020603050405020304" pitchFamily="18" charset="0"/>
+                </a:rPr>
+                <a:t>Fungi-bacteria</a:t>
+              </a:r>
+              <a:endParaRPr lang="zh-CN" altLang="en-US" dirty="0"/>
+            </a:p>
+          </p:txBody>
+        </p:sp>
+      </p:grpSp>
     </p:spTree>
     <p:extLst>
       <p:ext uri="{BB962C8B-B14F-4D97-AF65-F5344CB8AC3E}">
